--- a/Docuentation/EduLer.pptx
+++ b/Docuentation/EduLer.pptx
@@ -4291,7 +4291,7 @@
         </p:nvSpPr>
         <p:spPr>
           <a:xfrm>
-            <a:off x="838200" y="2440106"/>
+            <a:off x="838200" y="334467"/>
             <a:ext cx="10515600" cy="1325563"/>
           </a:xfrm>
         </p:spPr>
@@ -4307,6 +4307,78 @@
           </a:p>
         </p:txBody>
       </p:sp>
+      <p:pic>
+        <p:nvPicPr>
+          <p:cNvPr id="4" name="Picture 3">
+            <a:extLst>
+              <a:ext uri="{FF2B5EF4-FFF2-40B4-BE49-F238E27FC236}">
+                <a16:creationId xmlns:a16="http://schemas.microsoft.com/office/drawing/2014/main" id="{E3D56A99-CCF8-4F0F-9A95-309E9AFE8B1B}"/>
+              </a:ext>
+            </a:extLst>
+          </p:cNvPr>
+          <p:cNvPicPr>
+            <a:picLocks noChangeAspect="1"/>
+          </p:cNvPicPr>
+          <p:nvPr/>
+        </p:nvPicPr>
+        <p:blipFill>
+          <a:blip r:embed="rId2">
+            <a:extLst>
+              <a:ext uri="{28A0092B-C50C-407E-A947-70E740481C1C}">
+                <a14:useLocalDpi xmlns:a14="http://schemas.microsoft.com/office/drawing/2010/main" val="0"/>
+              </a:ext>
+            </a:extLst>
+          </a:blip>
+          <a:stretch>
+            <a:fillRect/>
+          </a:stretch>
+        </p:blipFill>
+        <p:spPr>
+          <a:xfrm>
+            <a:off x="7005811" y="1666322"/>
+            <a:ext cx="4347989" cy="4347989"/>
+          </a:xfrm>
+          <a:prstGeom prst="rect">
+            <a:avLst/>
+          </a:prstGeom>
+        </p:spPr>
+      </p:pic>
+      <p:pic>
+        <p:nvPicPr>
+          <p:cNvPr id="6" name="Picture 5">
+            <a:extLst>
+              <a:ext uri="{FF2B5EF4-FFF2-40B4-BE49-F238E27FC236}">
+                <a16:creationId xmlns:a16="http://schemas.microsoft.com/office/drawing/2014/main" id="{39E349B6-000B-4986-925E-C3C696065C76}"/>
+              </a:ext>
+            </a:extLst>
+          </p:cNvPr>
+          <p:cNvPicPr>
+            <a:picLocks noChangeAspect="1"/>
+          </p:cNvPicPr>
+          <p:nvPr/>
+        </p:nvPicPr>
+        <p:blipFill>
+          <a:blip r:embed="rId3">
+            <a:extLst>
+              <a:ext uri="{28A0092B-C50C-407E-A947-70E740481C1C}">
+                <a14:useLocalDpi xmlns:a14="http://schemas.microsoft.com/office/drawing/2010/main" val="0"/>
+              </a:ext>
+            </a:extLst>
+          </a:blip>
+          <a:stretch>
+            <a:fillRect/>
+          </a:stretch>
+        </p:blipFill>
+        <p:spPr>
+          <a:xfrm>
+            <a:off x="1132514" y="1519107"/>
+            <a:ext cx="4393034" cy="4393034"/>
+          </a:xfrm>
+          <a:prstGeom prst="rect">
+            <a:avLst/>
+          </a:prstGeom>
+        </p:spPr>
+      </p:pic>
     </p:spTree>
     <p:extLst>
       <p:ext uri="{BB962C8B-B14F-4D97-AF65-F5344CB8AC3E}">

--- a/Docuentation/EduLer.pptx
+++ b/Docuentation/EduLer.pptx
@@ -13,8 +13,9 @@
     <p:sldId id="262" r:id="rId7"/>
     <p:sldId id="263" r:id="rId8"/>
     <p:sldId id="265" r:id="rId9"/>
-    <p:sldId id="259" r:id="rId10"/>
-    <p:sldId id="260" r:id="rId11"/>
+    <p:sldId id="266" r:id="rId10"/>
+    <p:sldId id="259" r:id="rId11"/>
+    <p:sldId id="260" r:id="rId12"/>
   </p:sldIdLst>
   <p:sldSz cx="12192000" cy="6858000"/>
   <p:notesSz cx="6858000" cy="9144000"/>
@@ -4149,6 +4150,70 @@
           <p:cNvPr id="2" name="Title 1">
             <a:extLst>
               <a:ext uri="{FF2B5EF4-FFF2-40B4-BE49-F238E27FC236}">
+                <a16:creationId xmlns:a16="http://schemas.microsoft.com/office/drawing/2014/main" id="{05CBD00B-344E-435C-A502-B895834A7D19}"/>
+              </a:ext>
+            </a:extLst>
+          </p:cNvPr>
+          <p:cNvSpPr>
+            <a:spLocks noGrp="1"/>
+          </p:cNvSpPr>
+          <p:nvPr>
+            <p:ph type="title"/>
+          </p:nvPr>
+        </p:nvSpPr>
+        <p:spPr>
+          <a:xfrm>
+            <a:off x="838200" y="2703878"/>
+            <a:ext cx="10515600" cy="1325563"/>
+          </a:xfrm>
+        </p:spPr>
+        <p:txBody>
+          <a:bodyPr/>
+          <a:lstStyle/>
+          <a:p>
+            <a:pPr algn="ctr"/>
+            <a:r>
+              <a:rPr lang="en-US" dirty="0"/>
+              <a:t>Questions ?</a:t>
+            </a:r>
+          </a:p>
+        </p:txBody>
+      </p:sp>
+    </p:spTree>
+    <p:extLst>
+      <p:ext uri="{BB962C8B-B14F-4D97-AF65-F5344CB8AC3E}">
+        <p14:creationId xmlns:p14="http://schemas.microsoft.com/office/powerpoint/2010/main" val="3183174944"/>
+      </p:ext>
+    </p:extLst>
+  </p:cSld>
+  <p:clrMapOvr>
+    <a:masterClrMapping/>
+  </p:clrMapOvr>
+</p:sld>
+</file>
+
+<file path=ppt/slides/slide11.xml><?xml version="1.0" encoding="utf-8"?>
+<p:sld xmlns:a="http://schemas.openxmlformats.org/drawingml/2006/main" xmlns:r="http://schemas.openxmlformats.org/officeDocument/2006/relationships" xmlns:p="http://schemas.openxmlformats.org/presentationml/2006/main">
+  <p:cSld>
+    <p:spTree>
+      <p:nvGrpSpPr>
+        <p:cNvPr id="1" name=""/>
+        <p:cNvGrpSpPr/>
+        <p:nvPr/>
+      </p:nvGrpSpPr>
+      <p:grpSpPr>
+        <a:xfrm>
+          <a:off x="0" y="0"/>
+          <a:ext cx="0" cy="0"/>
+          <a:chOff x="0" y="0"/>
+          <a:chExt cx="0" cy="0"/>
+        </a:xfrm>
+      </p:grpSpPr>
+      <p:sp>
+        <p:nvSpPr>
+          <p:cNvPr id="2" name="Title 1">
+            <a:extLst>
+              <a:ext uri="{FF2B5EF4-FFF2-40B4-BE49-F238E27FC236}">
                 <a16:creationId xmlns:a16="http://schemas.microsoft.com/office/drawing/2014/main" id="{81887968-82AA-4D8B-A9AB-7DB9CDD68BF5}"/>
               </a:ext>
             </a:extLst>
@@ -5068,7 +5133,7 @@
           <p:cNvPr id="2" name="Title 1">
             <a:extLst>
               <a:ext uri="{FF2B5EF4-FFF2-40B4-BE49-F238E27FC236}">
-                <a16:creationId xmlns:a16="http://schemas.microsoft.com/office/drawing/2014/main" id="{05CBD00B-344E-435C-A502-B895834A7D19}"/>
+                <a16:creationId xmlns:a16="http://schemas.microsoft.com/office/drawing/2014/main" id="{7B3AE949-0BA6-43E9-A476-AB19FBB39D0E}"/>
               </a:ext>
             </a:extLst>
           </p:cNvPr>
@@ -5079,20 +5144,54 @@
             <p:ph type="title"/>
           </p:nvPr>
         </p:nvSpPr>
-        <p:spPr>
-          <a:xfrm>
-            <a:off x="838200" y="2703878"/>
-            <a:ext cx="10515600" cy="1325563"/>
-          </a:xfrm>
-        </p:spPr>
+        <p:spPr/>
         <p:txBody>
           <a:bodyPr/>
           <a:lstStyle/>
           <a:p>
-            <a:pPr algn="ctr"/>
             <a:r>
               <a:rPr lang="en-US" dirty="0"/>
-              <a:t>Questions ?</a:t>
+              <a:t>References</a:t>
+            </a:r>
+          </a:p>
+        </p:txBody>
+      </p:sp>
+      <p:sp>
+        <p:nvSpPr>
+          <p:cNvPr id="3" name="Content Placeholder 2">
+            <a:extLst>
+              <a:ext uri="{FF2B5EF4-FFF2-40B4-BE49-F238E27FC236}">
+                <a16:creationId xmlns:a16="http://schemas.microsoft.com/office/drawing/2014/main" id="{FB9C7148-B581-479D-B7B4-E3FEACB6ADF0}"/>
+              </a:ext>
+            </a:extLst>
+          </p:cNvPr>
+          <p:cNvSpPr>
+            <a:spLocks noGrp="1"/>
+          </p:cNvSpPr>
+          <p:nvPr>
+            <p:ph idx="1"/>
+          </p:nvPr>
+        </p:nvSpPr>
+        <p:spPr/>
+        <p:txBody>
+          <a:bodyPr/>
+          <a:lstStyle/>
+          <a:p>
+            <a:r>
+              <a:rPr lang="en-US" dirty="0"/>
+              <a:t>https://www.youtube.com/watch?v=w2pw8eVq_Qk (File uploading)</a:t>
+            </a:r>
+          </a:p>
+          <a:p>
+            <a:r>
+              <a:rPr lang="en-US" dirty="0"/>
+              <a:t>https://www.youtube.com/watch?v=gcx-3qi7t7c&amp;t=1064s (PWA)</a:t>
+            </a:r>
+          </a:p>
+          <a:p>
+            <a:r>
+              <a:rPr lang="en-US" dirty="0"/>
+              <a:t>https://medium.com/@akashkuttappa/using-3d-models-with-ar-js-and-a-frame-84d462efe498 (Ar.js and A-FRAME)</a:t>
             </a:r>
           </a:p>
         </p:txBody>
@@ -5100,7 +5199,7 @@
     </p:spTree>
     <p:extLst>
       <p:ext uri="{BB962C8B-B14F-4D97-AF65-F5344CB8AC3E}">
-        <p14:creationId xmlns:p14="http://schemas.microsoft.com/office/powerpoint/2010/main" val="3183174944"/>
+        <p14:creationId xmlns:p14="http://schemas.microsoft.com/office/powerpoint/2010/main" val="930433814"/>
       </p:ext>
     </p:extLst>
   </p:cSld>

--- a/Docuentation/EduLer.pptx
+++ b/Docuentation/EduLer.pptx
@@ -4083,12 +4083,23 @@
             <p:ph type="subTitle" idx="1"/>
           </p:nvPr>
         </p:nvSpPr>
-        <p:spPr/>
+        <p:spPr>
+          <a:xfrm>
+            <a:off x="1069847" y="4439453"/>
+            <a:ext cx="8543935" cy="1634175"/>
+          </a:xfrm>
+        </p:spPr>
         <p:txBody>
           <a:bodyPr>
-            <a:normAutofit fontScale="55000" lnSpcReduction="20000"/>
+            <a:normAutofit fontScale="77500" lnSpcReduction="20000"/>
           </a:bodyPr>
           <a:lstStyle/>
+          <a:p>
+            <a:r>
+              <a:rPr lang="en-US" b="1" dirty="0"/>
+              <a:t>TEAM : 4</a:t>
+            </a:r>
+          </a:p>
           <a:p>
             <a:r>
               <a:rPr lang="en-US" dirty="0"/>
